--- a/Installation/Playing-with-SJ-presentation-low-res.pptx
+++ b/Installation/Playing-with-SJ-presentation-low-res.pptx
@@ -274,7 +274,7 @@
             <a:fld id="{B61BEF0D-F0BB-DE4B-95CE-6DB70DBA9567}" type="datetimeFigureOut">
               <a:rPr lang="en-US" smtClean="0"/>
               <a:pPr/>
-              <a:t>6/28/19</a:t>
+              <a:t>6/29/19</a:t>
             </a:fld>
             <a:endParaRPr lang="en-US" dirty="0"/>
           </a:p>
@@ -474,7 +474,7 @@
             <a:fld id="{B61BEF0D-F0BB-DE4B-95CE-6DB70DBA9567}" type="datetimeFigureOut">
               <a:rPr lang="en-US" smtClean="0"/>
               <a:pPr/>
-              <a:t>6/28/19</a:t>
+              <a:t>6/29/19</a:t>
             </a:fld>
             <a:endParaRPr lang="en-US" dirty="0"/>
           </a:p>
@@ -684,7 +684,7 @@
             <a:fld id="{B61BEF0D-F0BB-DE4B-95CE-6DB70DBA9567}" type="datetimeFigureOut">
               <a:rPr lang="en-US" smtClean="0"/>
               <a:pPr/>
-              <a:t>6/28/19</a:t>
+              <a:t>6/29/19</a:t>
             </a:fld>
             <a:endParaRPr lang="en-US" dirty="0"/>
           </a:p>
@@ -884,7 +884,7 @@
             <a:fld id="{B61BEF0D-F0BB-DE4B-95CE-6DB70DBA9567}" type="datetimeFigureOut">
               <a:rPr lang="en-US" smtClean="0"/>
               <a:pPr/>
-              <a:t>6/28/19</a:t>
+              <a:t>6/29/19</a:t>
             </a:fld>
             <a:endParaRPr lang="en-US" dirty="0"/>
           </a:p>
@@ -1161,7 +1161,7 @@
             <a:fld id="{B61BEF0D-F0BB-DE4B-95CE-6DB70DBA9567}" type="datetimeFigureOut">
               <a:rPr lang="en-US" smtClean="0"/>
               <a:pPr/>
-              <a:t>6/28/19</a:t>
+              <a:t>6/29/19</a:t>
             </a:fld>
             <a:endParaRPr lang="en-US" dirty="0"/>
           </a:p>
@@ -1428,7 +1428,7 @@
             <a:fld id="{B61BEF0D-F0BB-DE4B-95CE-6DB70DBA9567}" type="datetimeFigureOut">
               <a:rPr lang="en-US" smtClean="0"/>
               <a:pPr/>
-              <a:t>6/28/19</a:t>
+              <a:t>6/29/19</a:t>
             </a:fld>
             <a:endParaRPr lang="en-US" dirty="0"/>
           </a:p>
@@ -1842,7 +1842,7 @@
             <a:fld id="{B61BEF0D-F0BB-DE4B-95CE-6DB70DBA9567}" type="datetimeFigureOut">
               <a:rPr lang="en-US" smtClean="0"/>
               <a:pPr/>
-              <a:t>6/28/19</a:t>
+              <a:t>6/29/19</a:t>
             </a:fld>
             <a:endParaRPr lang="en-US" dirty="0"/>
           </a:p>
@@ -1985,7 +1985,7 @@
             <a:fld id="{B61BEF0D-F0BB-DE4B-95CE-6DB70DBA9567}" type="datetimeFigureOut">
               <a:rPr lang="en-US" smtClean="0"/>
               <a:pPr/>
-              <a:t>6/28/19</a:t>
+              <a:t>6/29/19</a:t>
             </a:fld>
             <a:endParaRPr lang="en-US" dirty="0"/>
           </a:p>
@@ -2100,7 +2100,7 @@
             <a:fld id="{B61BEF0D-F0BB-DE4B-95CE-6DB70DBA9567}" type="datetimeFigureOut">
               <a:rPr lang="en-US" smtClean="0"/>
               <a:pPr/>
-              <a:t>6/28/19</a:t>
+              <a:t>6/29/19</a:t>
             </a:fld>
             <a:endParaRPr lang="en-US" dirty="0"/>
           </a:p>
@@ -2413,7 +2413,7 @@
             <a:fld id="{B61BEF0D-F0BB-DE4B-95CE-6DB70DBA9567}" type="datetimeFigureOut">
               <a:rPr lang="en-US" smtClean="0"/>
               <a:pPr/>
-              <a:t>6/28/19</a:t>
+              <a:t>6/29/19</a:t>
             </a:fld>
             <a:endParaRPr lang="en-US" dirty="0"/>
           </a:p>
@@ -2703,7 +2703,7 @@
             <a:fld id="{B61BEF0D-F0BB-DE4B-95CE-6DB70DBA9567}" type="datetimeFigureOut">
               <a:rPr lang="en-US" smtClean="0"/>
               <a:pPr/>
-              <a:t>6/28/19</a:t>
+              <a:t>6/29/19</a:t>
             </a:fld>
             <a:endParaRPr lang="en-US" dirty="0"/>
           </a:p>
@@ -2946,7 +2946,7 @@
             <a:fld id="{B61BEF0D-F0BB-DE4B-95CE-6DB70DBA9567}" type="datetimeFigureOut">
               <a:rPr lang="en-US" smtClean="0"/>
               <a:pPr/>
-              <a:t>6/28/19</a:t>
+              <a:t>6/29/19</a:t>
             </a:fld>
             <a:endParaRPr lang="en-US" dirty="0"/>
           </a:p>
@@ -5227,7 +5227,7 @@
         </p:spPr>
         <p:txBody>
           <a:bodyPr>
-            <a:normAutofit fontScale="92500" lnSpcReduction="20000"/>
+            <a:normAutofit fontScale="85000" lnSpcReduction="20000"/>
           </a:bodyPr>
           <a:lstStyle/>
           <a:p>
@@ -5333,6 +5333,26 @@
               <a:rPr lang="en-US" sz="2400" b="1" dirty="0"/>
               <a:t> 1981</a:t>
             </a:r>
+          </a:p>
+          <a:p>
+            <a:endParaRPr lang="en-US" sz="2400" b="1" dirty="0"/>
+          </a:p>
+          <a:p>
+            <a:pPr marL="0" indent="0">
+              <a:buNone/>
+            </a:pPr>
+            <a:r>
+              <a:rPr lang="en-US" i="1" dirty="0" err="1"/>
+              <a:t>Kislak</a:t>
+            </a:r>
+            <a:r>
+              <a:rPr lang="en-US" i="1" dirty="0"/>
+              <a:t> Center, Special Collections, University of Miami Libraries, Coral Gables, Florida.</a:t>
+            </a:r>
+            <a:endParaRPr lang="en-US" dirty="0"/>
+          </a:p>
+          <a:p>
+            <a:endParaRPr lang="en-US" sz="2400" b="1" dirty="0"/>
           </a:p>
           <a:p>
             <a:endParaRPr lang="en-US" sz="1800" b="1" dirty="0"/>
